--- a/제출 문서/1분반_4조_2차발표PPT_설계_초안.pptx
+++ b/제출 문서/1분반_4조_2차발표PPT_설계_초안.pptx
@@ -19273,6 +19273,76 @@
       </p:grpSpPr>
       <p:sp>
         <p:nvSpPr>
+          <p:cNvPr id="9" name="직사각형 8"/>
+          <p:cNvSpPr/>
+          <p:nvPr/>
+        </p:nvSpPr>
+        <p:spPr>
+          <a:xfrm>
+            <a:off x="299502" y="3751124"/>
+            <a:ext cx="3017173" cy="461665"/>
+          </a:xfrm>
+          <a:prstGeom prst="rect">
+            <a:avLst/>
+          </a:prstGeom>
+        </p:spPr>
+        <p:txBody>
+          <a:bodyPr wrap="none">
+            <a:spAutoFit/>
+          </a:bodyPr>
+          <a:lstStyle/>
+          <a:p>
+            <a:pPr>
+              <a:buNone/>
+            </a:pPr>
+            <a:r>
+              <a:rPr lang="ko-KR" altLang="en-US" dirty="0"/>
+              <a:t>물리 </a:t>
+            </a:r>
+            <a:r>
+              <a:rPr lang="en-US" altLang="ko-KR" dirty="0"/>
+              <a:t>DB </a:t>
+            </a:r>
+            <a:r>
+              <a:rPr lang="ko-KR" altLang="en-US" dirty="0"/>
+              <a:t>모델링 작성</a:t>
+            </a:r>
+          </a:p>
+        </p:txBody>
+      </p:sp>
+      <p:sp>
+        <p:nvSpPr>
+          <p:cNvPr id="12" name="직사각형 11"/>
+          <p:cNvSpPr/>
+          <p:nvPr/>
+        </p:nvSpPr>
+        <p:spPr>
+          <a:xfrm>
+            <a:off x="2343150" y="4596577"/>
+            <a:ext cx="3243196" cy="461665"/>
+          </a:xfrm>
+          <a:prstGeom prst="rect">
+            <a:avLst/>
+          </a:prstGeom>
+        </p:spPr>
+        <p:txBody>
+          <a:bodyPr wrap="none">
+            <a:spAutoFit/>
+          </a:bodyPr>
+          <a:lstStyle/>
+          <a:p>
+            <a:pPr>
+              <a:buNone/>
+            </a:pPr>
+            <a:r>
+              <a:rPr lang="ko-KR" altLang="en-US" dirty="0"/>
+              <a:t>서브 스키마 명세 작성</a:t>
+            </a:r>
+          </a:p>
+        </p:txBody>
+      </p:sp>
+      <p:sp>
+        <p:nvSpPr>
           <p:cNvPr id="10" name="Rectangle 2"/>
           <p:cNvSpPr txBox="1">
             <a:spLocks noChangeArrowheads="1"/>
@@ -19663,76 +19733,6 @@
           </a:prstGeom>
         </p:spPr>
       </p:pic>
-      <p:sp>
-        <p:nvSpPr>
-          <p:cNvPr id="9" name="직사각형 8"/>
-          <p:cNvSpPr/>
-          <p:nvPr/>
-        </p:nvSpPr>
-        <p:spPr>
-          <a:xfrm>
-            <a:off x="299502" y="3751124"/>
-            <a:ext cx="3017173" cy="461665"/>
-          </a:xfrm>
-          <a:prstGeom prst="rect">
-            <a:avLst/>
-          </a:prstGeom>
-        </p:spPr>
-        <p:txBody>
-          <a:bodyPr wrap="none">
-            <a:spAutoFit/>
-          </a:bodyPr>
-          <a:lstStyle/>
-          <a:p>
-            <a:pPr>
-              <a:buNone/>
-            </a:pPr>
-            <a:r>
-              <a:rPr lang="ko-KR" altLang="en-US" dirty="0"/>
-              <a:t>물리 </a:t>
-            </a:r>
-            <a:r>
-              <a:rPr lang="en-US" altLang="ko-KR" dirty="0"/>
-              <a:t>DB </a:t>
-            </a:r>
-            <a:r>
-              <a:rPr lang="ko-KR" altLang="en-US" dirty="0"/>
-              <a:t>모델링 작성</a:t>
-            </a:r>
-          </a:p>
-        </p:txBody>
-      </p:sp>
-      <p:sp>
-        <p:nvSpPr>
-          <p:cNvPr id="12" name="직사각형 11"/>
-          <p:cNvSpPr/>
-          <p:nvPr/>
-        </p:nvSpPr>
-        <p:spPr>
-          <a:xfrm>
-            <a:off x="2343150" y="4596577"/>
-            <a:ext cx="3243196" cy="461665"/>
-          </a:xfrm>
-          <a:prstGeom prst="rect">
-            <a:avLst/>
-          </a:prstGeom>
-        </p:spPr>
-        <p:txBody>
-          <a:bodyPr wrap="none">
-            <a:spAutoFit/>
-          </a:bodyPr>
-          <a:lstStyle/>
-          <a:p>
-            <a:pPr>
-              <a:buNone/>
-            </a:pPr>
-            <a:r>
-              <a:rPr lang="ko-KR" altLang="en-US" dirty="0"/>
-              <a:t>서브 스키마 명세 작성</a:t>
-            </a:r>
-          </a:p>
-        </p:txBody>
-      </p:sp>
       <p:sp>
         <p:nvSpPr>
           <p:cNvPr id="13" name="직사각형 12"/>
@@ -20927,7 +20927,7 @@
         </p:spPr>
         <p:txBody>
           <a:bodyPr>
-            <a:normAutofit fontScale="92500" lnSpcReduction="20000"/>
+            <a:normAutofit/>
           </a:bodyPr>
           <a:lstStyle/>
           <a:p>
@@ -21238,7 +21238,7 @@
               </a:buClr>
               <a:buNone/>
             </a:pPr>
-            <a:endParaRPr lang="en-US" altLang="ko-KR" sz="2800" b="1" dirty="0">
+            <a:endParaRPr lang="en-US" altLang="ko-KR" sz="1100" b="1" dirty="0">
               <a:latin typeface="나눔고딕" panose="020D0604000000000000" pitchFamily="50" charset="-127"/>
               <a:ea typeface="나눔고딕" panose="020D0604000000000000" pitchFamily="50" charset="-127"/>
             </a:endParaRPr>
@@ -21399,73 +21399,6 @@
                 <a:ea typeface="나눔고딕" panose="020D0604000000000000" pitchFamily="50" charset="-127"/>
               </a:rPr>
               <a:t>설계</a:t>
-            </a:r>
-            <a:endParaRPr lang="en-US" altLang="ko-KR" b="1" dirty="0">
-              <a:latin typeface="나눔고딕" panose="020D0604000000000000" pitchFamily="50" charset="-127"/>
-              <a:ea typeface="나눔고딕" panose="020D0604000000000000" pitchFamily="50" charset="-127"/>
-            </a:endParaRPr>
-          </a:p>
-          <a:p>
-            <a:pPr marL="109537" indent="0">
-              <a:lnSpc>
-                <a:spcPct val="70000"/>
-              </a:lnSpc>
-              <a:spcBef>
-                <a:spcPts val="600"/>
-              </a:spcBef>
-              <a:spcAft>
-                <a:spcPts val="1200"/>
-              </a:spcAft>
-              <a:buClr>
-                <a:schemeClr val="bg2">
-                  <a:lumMod val="25000"/>
-                </a:schemeClr>
-              </a:buClr>
-              <a:buNone/>
-            </a:pPr>
-            <a:endParaRPr lang="en-US" altLang="ko-KR" b="1" dirty="0">
-              <a:latin typeface="나눔고딕" panose="020D0604000000000000" pitchFamily="50" charset="-127"/>
-              <a:ea typeface="나눔고딕" panose="020D0604000000000000" pitchFamily="50" charset="-127"/>
-            </a:endParaRPr>
-          </a:p>
-          <a:p>
-            <a:pPr marL="109537" indent="0">
-              <a:lnSpc>
-                <a:spcPct val="70000"/>
-              </a:lnSpc>
-              <a:spcBef>
-                <a:spcPts val="600"/>
-              </a:spcBef>
-              <a:spcAft>
-                <a:spcPts val="1200"/>
-              </a:spcAft>
-              <a:buClr>
-                <a:schemeClr val="bg2">
-                  <a:lumMod val="25000"/>
-                </a:schemeClr>
-              </a:buClr>
-              <a:buNone/>
-            </a:pPr>
-            <a:r>
-              <a:rPr lang="en-US" altLang="ko-KR" sz="2800" b="1" dirty="0">
-                <a:latin typeface="나눔고딕" panose="020D0604000000000000" pitchFamily="50" charset="-127"/>
-                <a:ea typeface="나눔고딕" panose="020D0604000000000000" pitchFamily="50" charset="-127"/>
-              </a:rPr>
-              <a:t>• </a:t>
-            </a:r>
-            <a:r>
-              <a:rPr lang="ko-KR" altLang="en-US" sz="2800" b="1" dirty="0">
-                <a:latin typeface="나눔고딕" panose="020D0604000000000000" pitchFamily="50" charset="-127"/>
-                <a:ea typeface="나눔고딕" panose="020D0604000000000000" pitchFamily="50" charset="-127"/>
-              </a:rPr>
-              <a:t>요구사항 </a:t>
-            </a:r>
-            <a:r>
-              <a:rPr lang="ko-KR" altLang="en-US" sz="2800" b="1" dirty="0" err="1">
-                <a:latin typeface="나눔고딕" panose="020D0604000000000000" pitchFamily="50" charset="-127"/>
-                <a:ea typeface="나눔고딕" panose="020D0604000000000000" pitchFamily="50" charset="-127"/>
-              </a:rPr>
-              <a:t>추적표</a:t>
             </a:r>
             <a:endParaRPr lang="en-US" altLang="ko-KR" sz="2800" b="1" dirty="0">
               <a:latin typeface="나눔고딕" panose="020D0604000000000000" pitchFamily="50" charset="-127"/>

--- a/제출 문서/1분반_4조_2차발표PPT_설계_초안.pptx
+++ b/제출 문서/1분반_4조_2차발표PPT_설계_초안.pptx
@@ -15,8 +15,8 @@
     <p:sldId id="688" r:id="rId3"/>
     <p:sldId id="685" r:id="rId4"/>
     <p:sldId id="455" r:id="rId5"/>
-    <p:sldId id="737" r:id="rId6"/>
-    <p:sldId id="753" r:id="rId7"/>
+    <p:sldId id="753" r:id="rId6"/>
+    <p:sldId id="737" r:id="rId7"/>
     <p:sldId id="741" r:id="rId8"/>
     <p:sldId id="743" r:id="rId9"/>
     <p:sldId id="742" r:id="rId10"/>
@@ -6907,7 +6907,7 @@
     </p:spTree>
     <p:extLst>
       <p:ext uri="{BB962C8B-B14F-4D97-AF65-F5344CB8AC3E}">
-        <p14:creationId xmlns:p14="http://schemas.microsoft.com/office/powerpoint/2010/main" val="1277240754"/>
+        <p14:creationId xmlns:p14="http://schemas.microsoft.com/office/powerpoint/2010/main" val="3294640579"/>
       </p:ext>
     </p:extLst>
   </p:cSld>
@@ -7027,7 +7027,7 @@
     </p:spTree>
     <p:extLst>
       <p:ext uri="{BB962C8B-B14F-4D97-AF65-F5344CB8AC3E}">
-        <p14:creationId xmlns:p14="http://schemas.microsoft.com/office/powerpoint/2010/main" val="3294640579"/>
+        <p14:creationId xmlns:p14="http://schemas.microsoft.com/office/powerpoint/2010/main" val="1277240754"/>
       </p:ext>
     </p:extLst>
   </p:cSld>
@@ -14973,8 +14973,8 @@
         </p:nvSpPr>
         <p:spPr>
           <a:xfrm>
-            <a:off x="2179637" y="2543280"/>
-            <a:ext cx="904875" cy="1466850"/>
+            <a:off x="2205037" y="3490752"/>
+            <a:ext cx="904875" cy="709369"/>
           </a:xfrm>
           <a:prstGeom prst="downArrow">
             <a:avLst/>
@@ -15013,8 +15013,8 @@
         </p:nvSpPr>
         <p:spPr>
           <a:xfrm>
-            <a:off x="7105295" y="2558900"/>
-            <a:ext cx="904875" cy="1466850"/>
+            <a:off x="7105295" y="3490751"/>
+            <a:ext cx="904875" cy="709369"/>
           </a:xfrm>
           <a:prstGeom prst="downArrow">
             <a:avLst/>
@@ -15584,8 +15584,8 @@
         </p:nvSpPr>
         <p:spPr>
           <a:xfrm>
-            <a:off x="2179637" y="2590905"/>
-            <a:ext cx="904875" cy="1466850"/>
+            <a:off x="2179637" y="3456877"/>
+            <a:ext cx="904875" cy="791738"/>
           </a:xfrm>
           <a:prstGeom prst="downArrow">
             <a:avLst/>
@@ -15624,8 +15624,8 @@
         </p:nvSpPr>
         <p:spPr>
           <a:xfrm>
-            <a:off x="7105295" y="2606525"/>
-            <a:ext cx="904875" cy="1466850"/>
+            <a:off x="7105295" y="3456877"/>
+            <a:ext cx="904875" cy="791738"/>
           </a:xfrm>
           <a:prstGeom prst="downArrow">
             <a:avLst/>
@@ -16263,7 +16263,7 @@
         </p:blipFill>
         <p:spPr bwMode="auto">
           <a:xfrm>
-            <a:off x="2044700" y="2329853"/>
+            <a:off x="1670050" y="2318701"/>
             <a:ext cx="6565900" cy="3998913"/>
           </a:xfrm>
           <a:prstGeom prst="rect">
@@ -17683,13 +17683,13 @@
               <a:buNone/>
             </a:pPr>
             <a:r>
-              <a:rPr lang="ko-KR" altLang="en-US" sz="2600" b="1" dirty="0">
+              <a:rPr lang="ko-KR" altLang="en-US" sz="3200" b="1" dirty="0">
                 <a:latin typeface="나눔고딕" panose="020D0604000000000000" pitchFamily="50" charset="-127"/>
                 <a:ea typeface="나눔고딕" panose="020D0604000000000000" pitchFamily="50" charset="-127"/>
               </a:rPr>
               <a:t>정제 기준</a:t>
             </a:r>
-            <a:endParaRPr lang="en-US" altLang="ko-KR" sz="2600" b="1" dirty="0">
+            <a:endParaRPr lang="en-US" altLang="ko-KR" sz="3200" b="1" dirty="0">
               <a:latin typeface="나눔고딕" panose="020D0604000000000000" pitchFamily="50" charset="-127"/>
               <a:ea typeface="나눔고딕" panose="020D0604000000000000" pitchFamily="50" charset="-127"/>
             </a:endParaRPr>
@@ -17753,13 +17753,13 @@
               <a:buNone/>
             </a:pPr>
             <a:r>
-              <a:rPr lang="ko-KR" altLang="en-US" sz="2600" b="1" dirty="0">
+              <a:rPr lang="ko-KR" altLang="en-US" sz="2400" b="1" dirty="0">
                 <a:latin typeface="나눔고딕" panose="020D0604000000000000" pitchFamily="50" charset="-127"/>
                 <a:ea typeface="나눔고딕" panose="020D0604000000000000" pitchFamily="50" charset="-127"/>
               </a:rPr>
               <a:t>결합도 기준</a:t>
             </a:r>
-            <a:endParaRPr lang="en-US" altLang="ko-KR" sz="2600" b="1" dirty="0">
+            <a:endParaRPr lang="en-US" altLang="ko-KR" sz="2400" b="1" dirty="0">
               <a:latin typeface="나눔고딕" panose="020D0604000000000000" pitchFamily="50" charset="-127"/>
               <a:ea typeface="나눔고딕" panose="020D0604000000000000" pitchFamily="50" charset="-127"/>
             </a:endParaRPr>
@@ -17873,13 +17873,13 @@
               <a:buNone/>
             </a:pPr>
             <a:r>
-              <a:rPr lang="ko-KR" altLang="en-US" sz="2600" b="1" dirty="0">
+              <a:rPr lang="ko-KR" altLang="en-US" sz="2400" b="1" dirty="0">
                 <a:latin typeface="나눔고딕" panose="020D0604000000000000" pitchFamily="50" charset="-127"/>
                 <a:ea typeface="나눔고딕" panose="020D0604000000000000" pitchFamily="50" charset="-127"/>
               </a:rPr>
               <a:t>응집도 기준</a:t>
             </a:r>
-            <a:endParaRPr lang="en-US" altLang="ko-KR" sz="2600" b="1" dirty="0">
+            <a:endParaRPr lang="en-US" altLang="ko-KR" sz="2400" b="1" dirty="0">
               <a:latin typeface="나눔고딕" panose="020D0604000000000000" pitchFamily="50" charset="-127"/>
               <a:ea typeface="나눔고딕" panose="020D0604000000000000" pitchFamily="50" charset="-127"/>
             </a:endParaRPr>
@@ -21663,30 +21663,6 @@
           </a:p>
         </p:txBody>
       </p:sp>
-      <p:pic>
-        <p:nvPicPr>
-          <p:cNvPr id="3" name="그림 2"/>
-          <p:cNvPicPr>
-            <a:picLocks noChangeAspect="1"/>
-          </p:cNvPicPr>
-          <p:nvPr/>
-        </p:nvPicPr>
-        <p:blipFill>
-          <a:blip r:embed="rId3"/>
-          <a:stretch>
-            <a:fillRect/>
-          </a:stretch>
-        </p:blipFill>
-        <p:spPr>
-          <a:xfrm>
-            <a:off x="918295" y="2124113"/>
-            <a:ext cx="8069410" cy="4396530"/>
-          </a:xfrm>
-          <a:prstGeom prst="rect">
-            <a:avLst/>
-          </a:prstGeom>
-        </p:spPr>
-      </p:pic>
       <p:sp>
         <p:nvSpPr>
           <p:cNvPr id="10" name="Rectangle 2"/>
@@ -21697,8 +21673,8 @@
         </p:nvSpPr>
         <p:spPr bwMode="auto">
           <a:xfrm>
-            <a:off x="381000" y="1562100"/>
-            <a:ext cx="9144000" cy="436283"/>
+            <a:off x="381000" y="1640157"/>
+            <a:ext cx="9144000" cy="1490019"/>
           </a:xfrm>
           <a:prstGeom prst="rect">
             <a:avLst/>
@@ -21713,7 +21689,7 @@
           <a:effectLst/>
         </p:spPr>
         <p:txBody>
-          <a:bodyPr vert="horz" wrap="square" lIns="91440" tIns="45720" rIns="91440" bIns="45720" numCol="1" anchor="ctr" anchorCtr="0" compatLnSpc="1">
+          <a:bodyPr vert="horz" wrap="square" lIns="91440" tIns="45720" rIns="91440" bIns="45720" numCol="1" anchor="t" anchorCtr="0" compatLnSpc="1">
             <a:prstTxWarp prst="textNoShape">
               <a:avLst/>
             </a:prstTxWarp>
@@ -21731,26 +21707,317 @@
               <a:defRPr/>
             </a:pPr>
             <a:r>
-              <a:rPr lang="ko-KR" altLang="en-US" b="1" kern="0" dirty="0">
+              <a:rPr lang="ko-KR" altLang="en-US" sz="2800" b="1" kern="0" dirty="0">
+                <a:latin typeface="나눔고딕" panose="020D0604000000000000" pitchFamily="50" charset="-127"/>
+                <a:ea typeface="나눔고딕" panose="020D0604000000000000" pitchFamily="50" charset="-127"/>
+              </a:rPr>
+              <a:t>신 물리 </a:t>
+            </a:r>
+            <a:r>
+              <a:rPr lang="en-US" altLang="ko-KR" sz="2800" b="1" kern="0" dirty="0">
+                <a:latin typeface="나눔고딕" panose="020D0604000000000000" pitchFamily="50" charset="-127"/>
+                <a:ea typeface="나눔고딕" panose="020D0604000000000000" pitchFamily="50" charset="-127"/>
+              </a:rPr>
+              <a:t>DFD </a:t>
+            </a:r>
+            <a:r>
+              <a:rPr lang="ko-KR" altLang="en-US" sz="2800" b="1" kern="0" dirty="0">
+                <a:latin typeface="나눔고딕" panose="020D0604000000000000" pitchFamily="50" charset="-127"/>
+                <a:ea typeface="나눔고딕" panose="020D0604000000000000" pitchFamily="50" charset="-127"/>
+              </a:rPr>
+              <a:t>작성</a:t>
+            </a:r>
+            <a:r>
+              <a:rPr lang="en-US" altLang="ko-KR" sz="2800" b="1" kern="0" dirty="0">
+                <a:latin typeface="나눔고딕" panose="020D0604000000000000" pitchFamily="50" charset="-127"/>
+                <a:ea typeface="나눔고딕" panose="020D0604000000000000" pitchFamily="50" charset="-127"/>
+              </a:rPr>
+              <a:t> </a:t>
+            </a:r>
+            <a:r>
+              <a:rPr lang="ko-KR" altLang="en-US" sz="2800" b="1" kern="0" dirty="0">
+                <a:latin typeface="나눔고딕" panose="020D0604000000000000" pitchFamily="50" charset="-127"/>
+                <a:ea typeface="나눔고딕" panose="020D0604000000000000" pitchFamily="50" charset="-127"/>
+              </a:rPr>
+              <a:t>이유</a:t>
+            </a:r>
+            <a:endParaRPr lang="en-US" altLang="ko-KR" sz="2800" b="1" kern="0" dirty="0">
+              <a:latin typeface="나눔고딕" panose="020D0604000000000000" pitchFamily="50" charset="-127"/>
+              <a:ea typeface="나눔고딕" panose="020D0604000000000000" pitchFamily="50" charset="-127"/>
+            </a:endParaRPr>
+          </a:p>
+          <a:p>
+            <a:pPr lvl="0">
+              <a:spcBef>
+                <a:spcPct val="0"/>
+              </a:spcBef>
+              <a:spcAft>
+                <a:spcPct val="0"/>
+              </a:spcAft>
+              <a:buNone/>
+              <a:defRPr/>
+            </a:pPr>
+            <a:endParaRPr lang="en-US" altLang="ko-KR" sz="1800" b="1" kern="0" dirty="0">
+              <a:latin typeface="나눔고딕" panose="020D0604000000000000" pitchFamily="50" charset="-127"/>
+              <a:ea typeface="나눔고딕" panose="020D0604000000000000" pitchFamily="50" charset="-127"/>
+            </a:endParaRPr>
+          </a:p>
+          <a:p>
+            <a:pPr lvl="0">
+              <a:spcBef>
+                <a:spcPct val="0"/>
+              </a:spcBef>
+              <a:spcAft>
+                <a:spcPct val="0"/>
+              </a:spcAft>
+              <a:buNone/>
+              <a:defRPr/>
+            </a:pPr>
+            <a:r>
+              <a:rPr lang="en-US" altLang="ko-KR" dirty="0">
+                <a:latin typeface="나눔고딕" panose="020D0604000000000000" pitchFamily="50" charset="-127"/>
+                <a:ea typeface="나눔고딕" panose="020D0604000000000000" pitchFamily="50" charset="-127"/>
+              </a:rPr>
+              <a:t>•</a:t>
+            </a:r>
+            <a:r>
+              <a:rPr lang="ko-KR" altLang="en-US" dirty="0">
+                <a:latin typeface="나눔고딕" panose="020D0604000000000000" pitchFamily="50" charset="-127"/>
+                <a:ea typeface="나눔고딕" panose="020D0604000000000000" pitchFamily="50" charset="-127"/>
+              </a:rPr>
+              <a:t> </a:t>
+            </a:r>
+            <a:r>
+              <a:rPr lang="ko-KR" altLang="en-US" kern="0" dirty="0">
                 <a:latin typeface="나눔고딕" panose="020D0604000000000000" pitchFamily="50" charset="-127"/>
                 <a:ea typeface="나눔고딕" panose="020D0604000000000000" pitchFamily="50" charset="-127"/>
               </a:rPr>
               <a:t>신 논리 </a:t>
             </a:r>
             <a:r>
-              <a:rPr lang="en-US" altLang="ko-KR" b="1" kern="0" dirty="0">
+              <a:rPr lang="en-US" altLang="ko-KR" kern="0" dirty="0">
                 <a:latin typeface="나눔고딕" panose="020D0604000000000000" pitchFamily="50" charset="-127"/>
                 <a:ea typeface="나눔고딕" panose="020D0604000000000000" pitchFamily="50" charset="-127"/>
               </a:rPr>
               <a:t>DFD</a:t>
             </a:r>
+            <a:r>
+              <a:rPr lang="ko-KR" altLang="en-US" kern="0" dirty="0">
+                <a:latin typeface="나눔고딕" panose="020D0604000000000000" pitchFamily="50" charset="-127"/>
+                <a:ea typeface="나눔고딕" panose="020D0604000000000000" pitchFamily="50" charset="-127"/>
+              </a:rPr>
+              <a:t>만으로는 시스템과 </a:t>
+            </a:r>
+            <a:r>
+              <a:rPr lang="ko-KR" altLang="en-US" kern="0" dirty="0">
+                <a:solidFill>
+                  <a:srgbClr val="FF0000"/>
+                </a:solidFill>
+                <a:latin typeface="나눔고딕" panose="020D0604000000000000" pitchFamily="50" charset="-127"/>
+                <a:ea typeface="나눔고딕" panose="020D0604000000000000" pitchFamily="50" charset="-127"/>
+              </a:rPr>
+              <a:t>사용자와의 상호작용</a:t>
+            </a:r>
+            <a:r>
+              <a:rPr lang="ko-KR" altLang="en-US" kern="0" dirty="0">
+                <a:latin typeface="나눔고딕" panose="020D0604000000000000" pitchFamily="50" charset="-127"/>
+                <a:ea typeface="나눔고딕" panose="020D0604000000000000" pitchFamily="50" charset="-127"/>
+              </a:rPr>
+              <a:t>을 </a:t>
+            </a:r>
+            <a:br>
+              <a:rPr lang="en-US" altLang="ko-KR" kern="0" dirty="0">
+                <a:latin typeface="나눔고딕" panose="020D0604000000000000" pitchFamily="50" charset="-127"/>
+                <a:ea typeface="나눔고딕" panose="020D0604000000000000" pitchFamily="50" charset="-127"/>
+              </a:rPr>
+            </a:br>
+            <a:r>
+              <a:rPr lang="en-US" altLang="ko-KR" kern="0" dirty="0">
+                <a:latin typeface="나눔고딕" panose="020D0604000000000000" pitchFamily="50" charset="-127"/>
+                <a:ea typeface="나눔고딕" panose="020D0604000000000000" pitchFamily="50" charset="-127"/>
+              </a:rPr>
+              <a:t>   </a:t>
+            </a:r>
+            <a:r>
+              <a:rPr lang="ko-KR" altLang="en-US" kern="0" dirty="0">
+                <a:latin typeface="나눔고딕" panose="020D0604000000000000" pitchFamily="50" charset="-127"/>
+                <a:ea typeface="나눔고딕" panose="020D0604000000000000" pitchFamily="50" charset="-127"/>
+              </a:rPr>
+              <a:t>고려 할 수 없음</a:t>
+            </a:r>
+            <a:r>
+              <a:rPr lang="en-US" altLang="ko-KR" kern="0" dirty="0">
+                <a:latin typeface="나눔고딕" panose="020D0604000000000000" pitchFamily="50" charset="-127"/>
+                <a:ea typeface="나눔고딕" panose="020D0604000000000000" pitchFamily="50" charset="-127"/>
+              </a:rPr>
+              <a:t>.</a:t>
+            </a:r>
+          </a:p>
+        </p:txBody>
+      </p:sp>
+      <p:sp>
+        <p:nvSpPr>
+          <p:cNvPr id="7" name="Rectangle 2"/>
+          <p:cNvSpPr txBox="1">
+            <a:spLocks noChangeArrowheads="1"/>
+          </p:cNvSpPr>
+          <p:nvPr/>
+        </p:nvSpPr>
+        <p:spPr bwMode="auto">
+          <a:xfrm>
+            <a:off x="381000" y="3531416"/>
+            <a:ext cx="9144000" cy="2601753"/>
+          </a:xfrm>
+          <a:prstGeom prst="rect">
+            <a:avLst/>
+          </a:prstGeom>
+          <a:noFill/>
+          <a:ln w="9525">
+            <a:noFill/>
+            <a:miter lim="800000"/>
+            <a:headEnd/>
+            <a:tailEnd/>
+          </a:ln>
+          <a:effectLst/>
+        </p:spPr>
+        <p:txBody>
+          <a:bodyPr vert="horz" wrap="square" lIns="91440" tIns="45720" rIns="91440" bIns="45720" numCol="1" anchor="t" anchorCtr="0" compatLnSpc="1">
+            <a:prstTxWarp prst="textNoShape">
+              <a:avLst/>
+            </a:prstTxWarp>
+          </a:bodyPr>
+          <a:lstStyle/>
+          <a:p>
+            <a:pPr lvl="0">
+              <a:spcBef>
+                <a:spcPct val="0"/>
+              </a:spcBef>
+              <a:spcAft>
+                <a:spcPct val="0"/>
+              </a:spcAft>
+              <a:buNone/>
+              <a:defRPr/>
+            </a:pPr>
+            <a:r>
+              <a:rPr lang="ko-KR" altLang="en-US" sz="2800" b="1" kern="0" dirty="0">
+                <a:latin typeface="나눔고딕" panose="020D0604000000000000" pitchFamily="50" charset="-127"/>
+                <a:ea typeface="나눔고딕" panose="020D0604000000000000" pitchFamily="50" charset="-127"/>
+              </a:rPr>
+              <a:t>신 물리 </a:t>
+            </a:r>
+            <a:r>
+              <a:rPr lang="en-US" altLang="ko-KR" sz="2800" b="1" kern="0" dirty="0">
+                <a:latin typeface="나눔고딕" panose="020D0604000000000000" pitchFamily="50" charset="-127"/>
+                <a:ea typeface="나눔고딕" panose="020D0604000000000000" pitchFamily="50" charset="-127"/>
+              </a:rPr>
+              <a:t>DFD </a:t>
+            </a:r>
+            <a:r>
+              <a:rPr lang="ko-KR" altLang="en-US" sz="2800" b="1" kern="0" dirty="0">
+                <a:latin typeface="나눔고딕" panose="020D0604000000000000" pitchFamily="50" charset="-127"/>
+                <a:ea typeface="나눔고딕" panose="020D0604000000000000" pitchFamily="50" charset="-127"/>
+              </a:rPr>
+              <a:t>작성시 고려 사항</a:t>
+            </a:r>
+            <a:endParaRPr lang="en-US" altLang="ko-KR" sz="2800" b="1" kern="0" dirty="0">
+              <a:latin typeface="나눔고딕" panose="020D0604000000000000" pitchFamily="50" charset="-127"/>
+              <a:ea typeface="나눔고딕" panose="020D0604000000000000" pitchFamily="50" charset="-127"/>
+            </a:endParaRPr>
+          </a:p>
+          <a:p>
+            <a:pPr lvl="0">
+              <a:spcBef>
+                <a:spcPct val="0"/>
+              </a:spcBef>
+              <a:spcAft>
+                <a:spcPct val="0"/>
+              </a:spcAft>
+              <a:buNone/>
+              <a:defRPr/>
+            </a:pPr>
+            <a:endParaRPr lang="en-US" altLang="ko-KR" sz="1800" b="1" kern="0" dirty="0">
+              <a:latin typeface="나눔고딕" panose="020D0604000000000000" pitchFamily="50" charset="-127"/>
+              <a:ea typeface="나눔고딕" panose="020D0604000000000000" pitchFamily="50" charset="-127"/>
+            </a:endParaRPr>
+          </a:p>
+          <a:p>
+            <a:pPr lvl="0">
+              <a:lnSpc>
+                <a:spcPct val="150000"/>
+              </a:lnSpc>
+              <a:spcBef>
+                <a:spcPct val="0"/>
+              </a:spcBef>
+              <a:spcAft>
+                <a:spcPct val="0"/>
+              </a:spcAft>
+              <a:buNone/>
+              <a:defRPr/>
+            </a:pPr>
+            <a:r>
+              <a:rPr lang="en-US" altLang="ko-KR" dirty="0">
+                <a:latin typeface="나눔고딕" panose="020D0604000000000000" pitchFamily="50" charset="-127"/>
+                <a:ea typeface="나눔고딕" panose="020D0604000000000000" pitchFamily="50" charset="-127"/>
+              </a:rPr>
+              <a:t>• </a:t>
+            </a:r>
+            <a:r>
+              <a:rPr lang="ko-KR" altLang="en-US" dirty="0">
+                <a:latin typeface="나눔고딕" panose="020D0604000000000000" pitchFamily="50" charset="-127"/>
+                <a:ea typeface="나눔고딕" panose="020D0604000000000000" pitchFamily="50" charset="-127"/>
+              </a:rPr>
+              <a:t>사용자의 실제 상호작용을 고려한 프로세스 설정</a:t>
+            </a:r>
+            <a:endParaRPr lang="en-US" altLang="ko-KR" dirty="0">
+              <a:latin typeface="나눔고딕" panose="020D0604000000000000" pitchFamily="50" charset="-127"/>
+              <a:ea typeface="나눔고딕" panose="020D0604000000000000" pitchFamily="50" charset="-127"/>
+            </a:endParaRPr>
+          </a:p>
+          <a:p>
+            <a:pPr>
+              <a:lnSpc>
+                <a:spcPct val="150000"/>
+              </a:lnSpc>
+              <a:spcBef>
+                <a:spcPct val="0"/>
+              </a:spcBef>
+              <a:spcAft>
+                <a:spcPct val="0"/>
+              </a:spcAft>
+              <a:buNone/>
+              <a:defRPr/>
+            </a:pPr>
+            <a:r>
+              <a:rPr lang="en-US" altLang="ko-KR" dirty="0">
+                <a:latin typeface="나눔고딕" panose="020D0604000000000000" pitchFamily="50" charset="-127"/>
+                <a:ea typeface="나눔고딕" panose="020D0604000000000000" pitchFamily="50" charset="-127"/>
+              </a:rPr>
+              <a:t>• </a:t>
+            </a:r>
+            <a:r>
+              <a:rPr lang="ko-KR" altLang="en-US" dirty="0">
+                <a:solidFill>
+                  <a:srgbClr val="FF0000"/>
+                </a:solidFill>
+                <a:latin typeface="나눔고딕" panose="020D0604000000000000" pitchFamily="50" charset="-127"/>
+                <a:ea typeface="나눔고딕" panose="020D0604000000000000" pitchFamily="50" charset="-127"/>
+              </a:rPr>
+              <a:t>자동화 영역과 사용자 영역이 혼합되지 않게 주의</a:t>
+            </a:r>
+            <a:endParaRPr lang="en-US" altLang="ko-KR" dirty="0">
+              <a:solidFill>
+                <a:srgbClr val="FF0000"/>
+              </a:solidFill>
+              <a:latin typeface="나눔고딕" panose="020D0604000000000000" pitchFamily="50" charset="-127"/>
+              <a:ea typeface="나눔고딕" panose="020D0604000000000000" pitchFamily="50" charset="-127"/>
+            </a:endParaRPr>
           </a:p>
         </p:txBody>
       </p:sp>
     </p:spTree>
     <p:extLst>
       <p:ext uri="{BB962C8B-B14F-4D97-AF65-F5344CB8AC3E}">
-        <p14:creationId xmlns:p14="http://schemas.microsoft.com/office/powerpoint/2010/main" val="1942268315"/>
+        <p14:creationId xmlns:p14="http://schemas.microsoft.com/office/powerpoint/2010/main" val="3580148787"/>
       </p:ext>
     </p:extLst>
   </p:cSld>
@@ -21908,6 +22175,30 @@
           </a:p>
         </p:txBody>
       </p:sp>
+      <p:pic>
+        <p:nvPicPr>
+          <p:cNvPr id="3" name="그림 2"/>
+          <p:cNvPicPr>
+            <a:picLocks noChangeAspect="1"/>
+          </p:cNvPicPr>
+          <p:nvPr/>
+        </p:nvPicPr>
+        <p:blipFill>
+          <a:blip r:embed="rId3"/>
+          <a:stretch>
+            <a:fillRect/>
+          </a:stretch>
+        </p:blipFill>
+        <p:spPr>
+          <a:xfrm>
+            <a:off x="918295" y="2124113"/>
+            <a:ext cx="8069410" cy="4396530"/>
+          </a:xfrm>
+          <a:prstGeom prst="rect">
+            <a:avLst/>
+          </a:prstGeom>
+        </p:spPr>
+      </p:pic>
       <p:sp>
         <p:nvSpPr>
           <p:cNvPr id="10" name="Rectangle 2"/>
@@ -21919,7 +22210,7 @@
         <p:spPr bwMode="auto">
           <a:xfrm>
             <a:off x="381000" y="1562100"/>
-            <a:ext cx="9144000" cy="1490019"/>
+            <a:ext cx="9144000" cy="436283"/>
           </a:xfrm>
           <a:prstGeom prst="rect">
             <a:avLst/>
@@ -21934,7 +22225,7 @@
           <a:effectLst/>
         </p:spPr>
         <p:txBody>
-          <a:bodyPr vert="horz" wrap="square" lIns="91440" tIns="45720" rIns="91440" bIns="45720" numCol="1" anchor="t" anchorCtr="0" compatLnSpc="1">
+          <a:bodyPr vert="horz" wrap="square" lIns="91440" tIns="45720" rIns="91440" bIns="45720" numCol="1" anchor="ctr" anchorCtr="0" compatLnSpc="1">
             <a:prstTxWarp prst="textNoShape">
               <a:avLst/>
             </a:prstTxWarp>
@@ -21952,302 +22243,26 @@
               <a:defRPr/>
             </a:pPr>
             <a:r>
-              <a:rPr lang="ko-KR" altLang="en-US" sz="2800" b="1" kern="0" dirty="0">
-                <a:latin typeface="나눔고딕" panose="020D0604000000000000" pitchFamily="50" charset="-127"/>
-                <a:ea typeface="나눔고딕" panose="020D0604000000000000" pitchFamily="50" charset="-127"/>
-              </a:rPr>
-              <a:t>신 물리 </a:t>
-            </a:r>
-            <a:r>
-              <a:rPr lang="en-US" altLang="ko-KR" sz="2800" b="1" kern="0" dirty="0">
-                <a:latin typeface="나눔고딕" panose="020D0604000000000000" pitchFamily="50" charset="-127"/>
-                <a:ea typeface="나눔고딕" panose="020D0604000000000000" pitchFamily="50" charset="-127"/>
-              </a:rPr>
-              <a:t>DFD </a:t>
-            </a:r>
-            <a:r>
-              <a:rPr lang="ko-KR" altLang="en-US" sz="2800" b="1" kern="0" dirty="0">
-                <a:latin typeface="나눔고딕" panose="020D0604000000000000" pitchFamily="50" charset="-127"/>
-                <a:ea typeface="나눔고딕" panose="020D0604000000000000" pitchFamily="50" charset="-127"/>
-              </a:rPr>
-              <a:t>작성</a:t>
-            </a:r>
-            <a:r>
-              <a:rPr lang="en-US" altLang="ko-KR" sz="2800" b="1" kern="0" dirty="0">
-                <a:latin typeface="나눔고딕" panose="020D0604000000000000" pitchFamily="50" charset="-127"/>
-                <a:ea typeface="나눔고딕" panose="020D0604000000000000" pitchFamily="50" charset="-127"/>
-              </a:rPr>
-              <a:t> </a:t>
-            </a:r>
-            <a:r>
-              <a:rPr lang="ko-KR" altLang="en-US" sz="2800" b="1" kern="0" dirty="0">
-                <a:latin typeface="나눔고딕" panose="020D0604000000000000" pitchFamily="50" charset="-127"/>
-                <a:ea typeface="나눔고딕" panose="020D0604000000000000" pitchFamily="50" charset="-127"/>
-              </a:rPr>
-              <a:t>이유</a:t>
-            </a:r>
-            <a:endParaRPr lang="en-US" altLang="ko-KR" sz="2800" b="1" kern="0" dirty="0">
-              <a:latin typeface="나눔고딕" panose="020D0604000000000000" pitchFamily="50" charset="-127"/>
-              <a:ea typeface="나눔고딕" panose="020D0604000000000000" pitchFamily="50" charset="-127"/>
-            </a:endParaRPr>
-          </a:p>
-          <a:p>
-            <a:pPr lvl="0">
-              <a:spcBef>
-                <a:spcPct val="0"/>
-              </a:spcBef>
-              <a:spcAft>
-                <a:spcPct val="0"/>
-              </a:spcAft>
-              <a:buNone/>
-              <a:defRPr/>
-            </a:pPr>
-            <a:endParaRPr lang="en-US" altLang="ko-KR" sz="1800" b="1" kern="0" dirty="0">
-              <a:latin typeface="나눔고딕" panose="020D0604000000000000" pitchFamily="50" charset="-127"/>
-              <a:ea typeface="나눔고딕" panose="020D0604000000000000" pitchFamily="50" charset="-127"/>
-            </a:endParaRPr>
-          </a:p>
-          <a:p>
-            <a:pPr lvl="0">
-              <a:spcBef>
-                <a:spcPct val="0"/>
-              </a:spcBef>
-              <a:spcAft>
-                <a:spcPct val="0"/>
-              </a:spcAft>
-              <a:buNone/>
-              <a:defRPr/>
-            </a:pPr>
-            <a:r>
-              <a:rPr lang="en-US" altLang="ko-KR" dirty="0">
-                <a:latin typeface="나눔고딕" panose="020D0604000000000000" pitchFamily="50" charset="-127"/>
-                <a:ea typeface="나눔고딕" panose="020D0604000000000000" pitchFamily="50" charset="-127"/>
-              </a:rPr>
-              <a:t>•</a:t>
-            </a:r>
-            <a:r>
-              <a:rPr lang="ko-KR" altLang="en-US" dirty="0">
-                <a:latin typeface="나눔고딕" panose="020D0604000000000000" pitchFamily="50" charset="-127"/>
-                <a:ea typeface="나눔고딕" panose="020D0604000000000000" pitchFamily="50" charset="-127"/>
-              </a:rPr>
-              <a:t> </a:t>
-            </a:r>
-            <a:r>
-              <a:rPr lang="ko-KR" altLang="en-US" kern="0" dirty="0">
+              <a:rPr lang="ko-KR" altLang="en-US" b="1" kern="0" dirty="0">
                 <a:latin typeface="나눔고딕" panose="020D0604000000000000" pitchFamily="50" charset="-127"/>
                 <a:ea typeface="나눔고딕" panose="020D0604000000000000" pitchFamily="50" charset="-127"/>
               </a:rPr>
               <a:t>신 논리 </a:t>
             </a:r>
             <a:r>
-              <a:rPr lang="en-US" altLang="ko-KR" kern="0" dirty="0">
+              <a:rPr lang="en-US" altLang="ko-KR" b="1" kern="0" dirty="0">
                 <a:latin typeface="나눔고딕" panose="020D0604000000000000" pitchFamily="50" charset="-127"/>
                 <a:ea typeface="나눔고딕" panose="020D0604000000000000" pitchFamily="50" charset="-127"/>
               </a:rPr>
               <a:t>DFD</a:t>
             </a:r>
-            <a:r>
-              <a:rPr lang="ko-KR" altLang="en-US" kern="0" dirty="0">
-                <a:latin typeface="나눔고딕" panose="020D0604000000000000" pitchFamily="50" charset="-127"/>
-                <a:ea typeface="나눔고딕" panose="020D0604000000000000" pitchFamily="50" charset="-127"/>
-              </a:rPr>
-              <a:t>만으로는 시스템이 사용자와의 상호작용을 </a:t>
-            </a:r>
-            <a:br>
-              <a:rPr lang="en-US" altLang="ko-KR" kern="0" dirty="0">
-                <a:latin typeface="나눔고딕" panose="020D0604000000000000" pitchFamily="50" charset="-127"/>
-                <a:ea typeface="나눔고딕" panose="020D0604000000000000" pitchFamily="50" charset="-127"/>
-              </a:rPr>
-            </a:br>
-            <a:r>
-              <a:rPr lang="en-US" altLang="ko-KR" kern="0" dirty="0">
-                <a:latin typeface="나눔고딕" panose="020D0604000000000000" pitchFamily="50" charset="-127"/>
-                <a:ea typeface="나눔고딕" panose="020D0604000000000000" pitchFamily="50" charset="-127"/>
-              </a:rPr>
-              <a:t>   </a:t>
-            </a:r>
-            <a:r>
-              <a:rPr lang="ko-KR" altLang="en-US" kern="0" dirty="0">
-                <a:latin typeface="나눔고딕" panose="020D0604000000000000" pitchFamily="50" charset="-127"/>
-                <a:ea typeface="나눔고딕" panose="020D0604000000000000" pitchFamily="50" charset="-127"/>
-              </a:rPr>
-              <a:t>고려 할 수 없음</a:t>
-            </a:r>
-            <a:r>
-              <a:rPr lang="en-US" altLang="ko-KR" kern="0" dirty="0">
-                <a:latin typeface="나눔고딕" panose="020D0604000000000000" pitchFamily="50" charset="-127"/>
-                <a:ea typeface="나눔고딕" panose="020D0604000000000000" pitchFamily="50" charset="-127"/>
-              </a:rPr>
-              <a:t>.</a:t>
-            </a:r>
-          </a:p>
-        </p:txBody>
-      </p:sp>
-      <p:sp>
-        <p:nvSpPr>
-          <p:cNvPr id="7" name="Rectangle 2"/>
-          <p:cNvSpPr txBox="1">
-            <a:spLocks noChangeArrowheads="1"/>
-          </p:cNvSpPr>
-          <p:nvPr/>
-        </p:nvSpPr>
-        <p:spPr bwMode="auto">
-          <a:xfrm>
-            <a:off x="381000" y="3208036"/>
-            <a:ext cx="9144000" cy="1490019"/>
-          </a:xfrm>
-          <a:prstGeom prst="rect">
-            <a:avLst/>
-          </a:prstGeom>
-          <a:noFill/>
-          <a:ln w="9525">
-            <a:noFill/>
-            <a:miter lim="800000"/>
-            <a:headEnd/>
-            <a:tailEnd/>
-          </a:ln>
-          <a:effectLst/>
-        </p:spPr>
-        <p:txBody>
-          <a:bodyPr vert="horz" wrap="square" lIns="91440" tIns="45720" rIns="91440" bIns="45720" numCol="1" anchor="t" anchorCtr="0" compatLnSpc="1">
-            <a:prstTxWarp prst="textNoShape">
-              <a:avLst/>
-            </a:prstTxWarp>
-          </a:bodyPr>
-          <a:lstStyle/>
-          <a:p>
-            <a:pPr lvl="0">
-              <a:spcBef>
-                <a:spcPct val="0"/>
-              </a:spcBef>
-              <a:spcAft>
-                <a:spcPct val="0"/>
-              </a:spcAft>
-              <a:buNone/>
-              <a:defRPr/>
-            </a:pPr>
-            <a:r>
-              <a:rPr lang="ko-KR" altLang="en-US" sz="2800" b="1" kern="0" dirty="0">
-                <a:latin typeface="나눔고딕" panose="020D0604000000000000" pitchFamily="50" charset="-127"/>
-                <a:ea typeface="나눔고딕" panose="020D0604000000000000" pitchFamily="50" charset="-127"/>
-              </a:rPr>
-              <a:t>신 물리 </a:t>
-            </a:r>
-            <a:r>
-              <a:rPr lang="en-US" altLang="ko-KR" sz="2800" b="1" kern="0" dirty="0">
-                <a:latin typeface="나눔고딕" panose="020D0604000000000000" pitchFamily="50" charset="-127"/>
-                <a:ea typeface="나눔고딕" panose="020D0604000000000000" pitchFamily="50" charset="-127"/>
-              </a:rPr>
-              <a:t>DFD </a:t>
-            </a:r>
-            <a:r>
-              <a:rPr lang="ko-KR" altLang="en-US" sz="2800" b="1" kern="0" dirty="0">
-                <a:latin typeface="나눔고딕" panose="020D0604000000000000" pitchFamily="50" charset="-127"/>
-                <a:ea typeface="나눔고딕" panose="020D0604000000000000" pitchFamily="50" charset="-127"/>
-              </a:rPr>
-              <a:t>작성시 고려 사항</a:t>
-            </a:r>
-            <a:endParaRPr lang="en-US" altLang="ko-KR" sz="2800" b="1" kern="0" dirty="0">
-              <a:latin typeface="나눔고딕" panose="020D0604000000000000" pitchFamily="50" charset="-127"/>
-              <a:ea typeface="나눔고딕" panose="020D0604000000000000" pitchFamily="50" charset="-127"/>
-            </a:endParaRPr>
-          </a:p>
-          <a:p>
-            <a:pPr lvl="0">
-              <a:spcBef>
-                <a:spcPct val="0"/>
-              </a:spcBef>
-              <a:spcAft>
-                <a:spcPct val="0"/>
-              </a:spcAft>
-              <a:buNone/>
-              <a:defRPr/>
-            </a:pPr>
-            <a:endParaRPr lang="en-US" altLang="ko-KR" sz="1800" b="1" kern="0" dirty="0">
-              <a:latin typeface="나눔고딕" panose="020D0604000000000000" pitchFamily="50" charset="-127"/>
-              <a:ea typeface="나눔고딕" panose="020D0604000000000000" pitchFamily="50" charset="-127"/>
-            </a:endParaRPr>
-          </a:p>
-          <a:p>
-            <a:pPr lvl="0">
-              <a:spcBef>
-                <a:spcPct val="0"/>
-              </a:spcBef>
-              <a:spcAft>
-                <a:spcPct val="0"/>
-              </a:spcAft>
-              <a:buNone/>
-              <a:defRPr/>
-            </a:pPr>
-            <a:r>
-              <a:rPr lang="en-US" altLang="ko-KR" dirty="0">
-                <a:latin typeface="나눔고딕" panose="020D0604000000000000" pitchFamily="50" charset="-127"/>
-                <a:ea typeface="나눔고딕" panose="020D0604000000000000" pitchFamily="50" charset="-127"/>
-              </a:rPr>
-              <a:t>•</a:t>
-            </a:r>
-            <a:r>
-              <a:rPr lang="ko-KR" altLang="en-US" dirty="0">
-                <a:latin typeface="나눔고딕" panose="020D0604000000000000" pitchFamily="50" charset="-127"/>
-                <a:ea typeface="나눔고딕" panose="020D0604000000000000" pitchFamily="50" charset="-127"/>
-              </a:rPr>
-              <a:t> </a:t>
-            </a:r>
-            <a:r>
-              <a:rPr lang="ko-KR" altLang="en-US" kern="0" dirty="0">
-                <a:latin typeface="나눔고딕" panose="020D0604000000000000" pitchFamily="50" charset="-127"/>
-                <a:ea typeface="나눔고딕" panose="020D0604000000000000" pitchFamily="50" charset="-127"/>
-              </a:rPr>
-              <a:t>신 논리 </a:t>
-            </a:r>
-            <a:r>
-              <a:rPr lang="en-US" altLang="ko-KR" kern="0" dirty="0">
-                <a:latin typeface="나눔고딕" panose="020D0604000000000000" pitchFamily="50" charset="-127"/>
-                <a:ea typeface="나눔고딕" panose="020D0604000000000000" pitchFamily="50" charset="-127"/>
-              </a:rPr>
-              <a:t>DFD</a:t>
-            </a:r>
-            <a:r>
-              <a:rPr lang="ko-KR" altLang="en-US" kern="0" dirty="0">
-                <a:latin typeface="나눔고딕" panose="020D0604000000000000" pitchFamily="50" charset="-127"/>
-                <a:ea typeface="나눔고딕" panose="020D0604000000000000" pitchFamily="50" charset="-127"/>
-              </a:rPr>
-              <a:t>만으로는 시스템이 사용자와의 상호작용을 </a:t>
-            </a:r>
-            <a:br>
-              <a:rPr lang="en-US" altLang="ko-KR" kern="0" dirty="0">
-                <a:latin typeface="나눔고딕" panose="020D0604000000000000" pitchFamily="50" charset="-127"/>
-                <a:ea typeface="나눔고딕" panose="020D0604000000000000" pitchFamily="50" charset="-127"/>
-              </a:rPr>
-            </a:br>
-            <a:r>
-              <a:rPr lang="en-US" altLang="ko-KR" kern="0" dirty="0">
-                <a:latin typeface="나눔고딕" panose="020D0604000000000000" pitchFamily="50" charset="-127"/>
-                <a:ea typeface="나눔고딕" panose="020D0604000000000000" pitchFamily="50" charset="-127"/>
-              </a:rPr>
-              <a:t>   </a:t>
-            </a:r>
-            <a:r>
-              <a:rPr lang="ko-KR" altLang="en-US" kern="0" dirty="0">
-                <a:latin typeface="나눔고딕" panose="020D0604000000000000" pitchFamily="50" charset="-127"/>
-                <a:ea typeface="나눔고딕" panose="020D0604000000000000" pitchFamily="50" charset="-127"/>
-              </a:rPr>
-              <a:t>고려 할 수 없음</a:t>
-            </a:r>
-            <a:r>
-              <a:rPr lang="en-US" altLang="ko-KR" kern="0" dirty="0">
-                <a:latin typeface="나눔고딕" panose="020D0604000000000000" pitchFamily="50" charset="-127"/>
-                <a:ea typeface="나눔고딕" panose="020D0604000000000000" pitchFamily="50" charset="-127"/>
-              </a:rPr>
-              <a:t>.</a:t>
-            </a:r>
           </a:p>
         </p:txBody>
       </p:sp>
     </p:spTree>
     <p:extLst>
       <p:ext uri="{BB962C8B-B14F-4D97-AF65-F5344CB8AC3E}">
-        <p14:creationId xmlns:p14="http://schemas.microsoft.com/office/powerpoint/2010/main" val="3580148787"/>
+        <p14:creationId xmlns:p14="http://schemas.microsoft.com/office/powerpoint/2010/main" val="1942268315"/>
       </p:ext>
     </p:extLst>
   </p:cSld>
@@ -23246,6 +23261,11 @@
               </a:rPr>
               <a:t>강의 평가 수행</a:t>
             </a:r>
+            <a:endParaRPr lang="en-US" altLang="ko-KR" b="1" dirty="0">
+              <a:solidFill>
+                <a:schemeClr val="tx1"/>
+              </a:solidFill>
+            </a:endParaRPr>
           </a:p>
         </p:txBody>
       </p:sp>
